--- a/ProgrammingScaldingAlgebird.pptx
+++ b/ProgrammingScaldingAlgebird.pptx
@@ -1,14 +1,14 @@
 
 <file path=ppt/presentation.xml><?xml version="1.0" encoding="utf-8"?>
-<p:presentation xmlns:a="http://schemas.openxmlformats.org/drawingml/2006/main" xmlns:r="http://schemas.openxmlformats.org/officeDocument/2006/relationships" xmlns:p="http://schemas.openxmlformats.org/presentationml/2006/main" compatMode="1" strictFirstAndLastChars="0" saveSubsetFonts="1" autoCompressPictures="0">
+<p:presentation xmlns:a="http://schemas.openxmlformats.org/drawingml/2006/main" xmlns:r="http://schemas.openxmlformats.org/officeDocument/2006/relationships" xmlns:p="http://schemas.openxmlformats.org/presentationml/2006/main" strictFirstAndLastChars="0" saveSubsetFonts="1" autoCompressPictures="0">
   <p:sldMasterIdLst>
     <p:sldMasterId id="2147483648" r:id="rId1"/>
   </p:sldMasterIdLst>
   <p:notesMasterIdLst>
-    <p:notesMasterId r:id="rId30"/>
+    <p:notesMasterId r:id="rId31"/>
   </p:notesMasterIdLst>
   <p:handoutMasterIdLst>
-    <p:handoutMasterId r:id="rId31"/>
+    <p:handoutMasterId r:id="rId32"/>
   </p:handoutMasterIdLst>
   <p:sldIdLst>
     <p:sldId id="256" r:id="rId2"/>
@@ -18,27 +18,28 @@
     <p:sldId id="260" r:id="rId6"/>
     <p:sldId id="261" r:id="rId7"/>
     <p:sldId id="263" r:id="rId8"/>
-    <p:sldId id="264" r:id="rId9"/>
-    <p:sldId id="265" r:id="rId10"/>
-    <p:sldId id="266" r:id="rId11"/>
-    <p:sldId id="267" r:id="rId12"/>
-    <p:sldId id="268" r:id="rId13"/>
-    <p:sldId id="269" r:id="rId14"/>
-    <p:sldId id="270" r:id="rId15"/>
-    <p:sldId id="273" r:id="rId16"/>
-    <p:sldId id="271" r:id="rId17"/>
-    <p:sldId id="272" r:id="rId18"/>
-    <p:sldId id="274" r:id="rId19"/>
-    <p:sldId id="275" r:id="rId20"/>
-    <p:sldId id="276" r:id="rId21"/>
-    <p:sldId id="277" r:id="rId22"/>
-    <p:sldId id="278" r:id="rId23"/>
-    <p:sldId id="279" r:id="rId24"/>
-    <p:sldId id="280" r:id="rId25"/>
-    <p:sldId id="281" r:id="rId26"/>
-    <p:sldId id="282" r:id="rId27"/>
-    <p:sldId id="283" r:id="rId28"/>
-    <p:sldId id="284" r:id="rId29"/>
+    <p:sldId id="285" r:id="rId9"/>
+    <p:sldId id="264" r:id="rId10"/>
+    <p:sldId id="265" r:id="rId11"/>
+    <p:sldId id="266" r:id="rId12"/>
+    <p:sldId id="267" r:id="rId13"/>
+    <p:sldId id="268" r:id="rId14"/>
+    <p:sldId id="269" r:id="rId15"/>
+    <p:sldId id="270" r:id="rId16"/>
+    <p:sldId id="273" r:id="rId17"/>
+    <p:sldId id="271" r:id="rId18"/>
+    <p:sldId id="272" r:id="rId19"/>
+    <p:sldId id="274" r:id="rId20"/>
+    <p:sldId id="275" r:id="rId21"/>
+    <p:sldId id="276" r:id="rId22"/>
+    <p:sldId id="277" r:id="rId23"/>
+    <p:sldId id="278" r:id="rId24"/>
+    <p:sldId id="279" r:id="rId25"/>
+    <p:sldId id="280" r:id="rId26"/>
+    <p:sldId id="281" r:id="rId27"/>
+    <p:sldId id="282" r:id="rId28"/>
+    <p:sldId id="283" r:id="rId29"/>
+    <p:sldId id="284" r:id="rId30"/>
   </p:sldIdLst>
   <p:sldSz cx="16256000" cy="9144000"/>
   <p:notesSz cx="6858000" cy="9144000"/>
@@ -261,7 +262,7 @@
           <a:p>
             <a:fld id="{14A526D0-2E53-114C-8ACB-CA08464DEE55}" type="datetime1">
               <a:rPr lang="en-US" smtClean="0"/>
-              <a:t>3/25/13</a:t>
+              <a:t>4/6/13</a:t>
             </a:fld>
             <a:endParaRPr lang="en-US"/>
           </a:p>
@@ -427,7 +428,7 @@
           <a:p>
             <a:fld id="{7039C4A1-A934-644C-A961-EE49AD38DDC9}" type="datetime1">
               <a:rPr lang="en-US" smtClean="0"/>
-              <a:t>3/25/13</a:t>
+              <a:t>4/6/13</a:t>
             </a:fld>
             <a:endParaRPr lang="en-US"/>
           </a:p>
@@ -1825,7 +1826,6 @@
               <a:rPr lang="en-US" dirty="0" smtClean="0"/>
               <a:t>Programming with Scalding</a:t>
             </a:r>
-            <a:endParaRPr lang="en-US" dirty="0" smtClean="0"/>
           </a:p>
         </p:txBody>
       </p:sp>
@@ -1864,7 +1864,40 @@
             </a:pPr>
             <a:r>
               <a:rPr lang="en-US" dirty="0" smtClean="0"/>
-              <a:t>Data Scientist, Twitter</a:t>
+              <a:t>Data Scientist, </a:t>
+            </a:r>
+            <a:r>
+              <a:rPr lang="en-US" dirty="0" smtClean="0"/>
+              <a:t>Twitter</a:t>
+            </a:r>
+          </a:p>
+          <a:p>
+            <a:pPr marL="0" indent="0" eaLnBrk="1" hangingPunct="1">
+              <a:defRPr/>
+            </a:pPr>
+            <a:r>
+              <a:rPr lang="en-US" dirty="0" smtClean="0"/>
+              <a:t>http://</a:t>
+            </a:r>
+            <a:r>
+              <a:rPr lang="en-US" dirty="0" err="1" smtClean="0"/>
+              <a:t>github.com</a:t>
+            </a:r>
+            <a:r>
+              <a:rPr lang="en-US" dirty="0" smtClean="0"/>
+              <a:t>/</a:t>
+            </a:r>
+            <a:r>
+              <a:rPr lang="en-US" dirty="0" err="1" smtClean="0"/>
+              <a:t>krishnanraman</a:t>
+            </a:r>
+            <a:r>
+              <a:rPr lang="en-US" dirty="0" smtClean="0"/>
+              <a:t>/</a:t>
+            </a:r>
+            <a:r>
+              <a:rPr lang="en-US" dirty="0" err="1" smtClean="0"/>
+              <a:t>bigdata</a:t>
             </a:r>
             <a:endParaRPr lang="en-US" dirty="0" smtClean="0"/>
           </a:p>
@@ -1889,6 +1922,134 @@
 </file>
 
 <file path=ppt/slides/slide10.xml><?xml version="1.0" encoding="utf-8"?>
+<p:sld xmlns:a="http://schemas.openxmlformats.org/drawingml/2006/main" xmlns:r="http://schemas.openxmlformats.org/officeDocument/2006/relationships" xmlns:p="http://schemas.openxmlformats.org/presentationml/2006/main">
+  <p:cSld>
+    <p:spTree>
+      <p:nvGrpSpPr>
+        <p:cNvPr id="1" name=""/>
+        <p:cNvGrpSpPr/>
+        <p:nvPr/>
+      </p:nvGrpSpPr>
+      <p:grpSpPr>
+        <a:xfrm>
+          <a:off x="0" y="0"/>
+          <a:ext cx="0" cy="0"/>
+          <a:chOff x="0" y="0"/>
+          <a:chExt cx="0" cy="0"/>
+        </a:xfrm>
+      </p:grpSpPr>
+      <p:sp>
+        <p:nvSpPr>
+          <p:cNvPr id="2" name="Title 1"/>
+          <p:cNvSpPr>
+            <a:spLocks noGrp="1"/>
+          </p:cNvSpPr>
+          <p:nvPr>
+            <p:ph type="title"/>
+          </p:nvPr>
+        </p:nvSpPr>
+        <p:spPr>
+          <a:xfrm>
+            <a:off x="508000" y="0"/>
+            <a:ext cx="15290800" cy="838200"/>
+          </a:xfrm>
+        </p:spPr>
+        <p:txBody>
+          <a:bodyPr/>
+          <a:lstStyle/>
+          <a:p>
+            <a:r>
+              <a:rPr lang="en-US" dirty="0" smtClean="0"/>
+              <a:t>Correlations among equities…</a:t>
+            </a:r>
+            <a:endParaRPr lang="en-US" dirty="0"/>
+          </a:p>
+        </p:txBody>
+      </p:sp>
+      <p:pic>
+        <p:nvPicPr>
+          <p:cNvPr id="4" name="Content Placeholder 3"/>
+          <p:cNvPicPr>
+            <a:picLocks noGrp="1" noChangeAspect="1"/>
+          </p:cNvPicPr>
+          <p:nvPr>
+            <p:ph idx="1"/>
+          </p:nvPr>
+        </p:nvPicPr>
+        <p:blipFill>
+          <a:blip r:embed="rId2"/>
+          <a:srcRect t="2048" b="2048"/>
+          <a:stretch>
+            <a:fillRect/>
+          </a:stretch>
+        </p:blipFill>
+        <p:spPr>
+          <a:xfrm>
+            <a:off x="508001" y="1447800"/>
+            <a:ext cx="9753600" cy="5492476"/>
+          </a:xfrm>
+        </p:spPr>
+      </p:pic>
+      <p:sp>
+        <p:nvSpPr>
+          <p:cNvPr id="5" name="TextBox 4"/>
+          <p:cNvSpPr txBox="1"/>
+          <p:nvPr/>
+        </p:nvSpPr>
+        <p:spPr>
+          <a:xfrm>
+            <a:off x="431801" y="7162801"/>
+            <a:ext cx="15468600" cy="1200329"/>
+          </a:xfrm>
+          <a:prstGeom prst="rect">
+            <a:avLst/>
+          </a:prstGeom>
+          <a:noFill/>
+        </p:spPr>
+        <p:txBody>
+          <a:bodyPr wrap="square" rtlCol="0">
+            <a:spAutoFit/>
+          </a:bodyPr>
+          <a:lstStyle/>
+          <a:p>
+            <a:r>
+              <a:rPr lang="en-US" sz="3600" dirty="0" smtClean="0"/>
+              <a:t>Given a vector of weights W, the net risk imposed by this matrix = W'CW</a:t>
+            </a:r>
+          </a:p>
+          <a:p>
+            <a:r>
+              <a:rPr lang="en-US" sz="3600" dirty="0" smtClean="0"/>
+              <a:t>Goal: Want the 4-tuple with the least risk.</a:t>
+            </a:r>
+            <a:endParaRPr lang="en-US" sz="3600" dirty="0"/>
+          </a:p>
+        </p:txBody>
+      </p:sp>
+    </p:spTree>
+    <p:extLst>
+      <p:ext uri="{BB962C8B-B14F-4D97-AF65-F5344CB8AC3E}">
+        <p14:creationId xmlns:p14="http://schemas.microsoft.com/office/powerpoint/2010/main" val="4207747286"/>
+      </p:ext>
+    </p:extLst>
+  </p:cSld>
+  <p:clrMapOvr>
+    <a:masterClrMapping/>
+  </p:clrMapOvr>
+  <p:transition xmlns:p14="http://schemas.microsoft.com/office/powerpoint/2010/main" spd="med">
+    <p:fade/>
+  </p:transition>
+  <p:timing>
+    <p:tnLst>
+      <p:par>
+        <p:cTn xmlns:p14="http://schemas.microsoft.com/office/powerpoint/2010/main" id="1" dur="indefinite" restart="never" nodeType="tmRoot"/>
+      </p:par>
+    </p:tnLst>
+  </p:timing>
+</p:sld>
+</file>
+
+<file path=ppt/slides/slide11.xml><?xml version="1.0" encoding="utf-8"?>
 <p:sld xmlns:a="http://schemas.openxmlformats.org/drawingml/2006/main" xmlns:r="http://schemas.openxmlformats.org/officeDocument/2006/relationships" xmlns:p="http://schemas.openxmlformats.org/presentationml/2006/main">
   <p:cSld>
     <p:spTree>
@@ -2271,7 +2432,7 @@
 </p:sld>
 </file>
 
-<file path=ppt/slides/slide11.xml><?xml version="1.0" encoding="utf-8"?>
+<file path=ppt/slides/slide12.xml><?xml version="1.0" encoding="utf-8"?>
 <p:sld xmlns:a="http://schemas.openxmlformats.org/drawingml/2006/main" xmlns:r="http://schemas.openxmlformats.org/officeDocument/2006/relationships" xmlns:p="http://schemas.openxmlformats.org/presentationml/2006/main">
   <p:cSld>
     <p:spTree>
@@ -2352,93 +2513,6 @@
     <p:extLst>
       <p:ext uri="{BB962C8B-B14F-4D97-AF65-F5344CB8AC3E}">
         <p14:creationId xmlns:p14="http://schemas.microsoft.com/office/powerpoint/2010/main" val="2946543883"/>
-      </p:ext>
-    </p:extLst>
-  </p:cSld>
-  <p:clrMapOvr>
-    <a:masterClrMapping/>
-  </p:clrMapOvr>
-  <p:transition xmlns:p14="http://schemas.microsoft.com/office/powerpoint/2010/main" spd="med">
-    <p:fade/>
-  </p:transition>
-  <p:timing>
-    <p:tnLst>
-      <p:par>
-        <p:cTn xmlns:p14="http://schemas.microsoft.com/office/powerpoint/2010/main" id="1" dur="indefinite" restart="never" nodeType="tmRoot"/>
-      </p:par>
-    </p:tnLst>
-  </p:timing>
-</p:sld>
-</file>
-
-<file path=ppt/slides/slide12.xml><?xml version="1.0" encoding="utf-8"?>
-<p:sld xmlns:a="http://schemas.openxmlformats.org/drawingml/2006/main" xmlns:r="http://schemas.openxmlformats.org/officeDocument/2006/relationships" xmlns:p="http://schemas.openxmlformats.org/presentationml/2006/main">
-  <p:cSld>
-    <p:spTree>
-      <p:nvGrpSpPr>
-        <p:cNvPr id="1" name=""/>
-        <p:cNvGrpSpPr/>
-        <p:nvPr/>
-      </p:nvGrpSpPr>
-      <p:grpSpPr>
-        <a:xfrm>
-          <a:off x="0" y="0"/>
-          <a:ext cx="0" cy="0"/>
-          <a:chOff x="0" y="0"/>
-          <a:chExt cx="0" cy="0"/>
-        </a:xfrm>
-      </p:grpSpPr>
-      <p:sp>
-        <p:nvSpPr>
-          <p:cNvPr id="2" name="Title 1"/>
-          <p:cNvSpPr>
-            <a:spLocks noGrp="1"/>
-          </p:cNvSpPr>
-          <p:nvPr>
-            <p:ph type="title"/>
-          </p:nvPr>
-        </p:nvSpPr>
-        <p:spPr/>
-        <p:txBody>
-          <a:bodyPr/>
-          <a:lstStyle/>
-          <a:p>
-            <a:r>
-              <a:rPr lang="en-US" dirty="0" smtClean="0"/>
-              <a:t>US Population Data Analysis </a:t>
-            </a:r>
-            <a:endParaRPr lang="en-US" dirty="0"/>
-          </a:p>
-        </p:txBody>
-      </p:sp>
-      <p:pic>
-        <p:nvPicPr>
-          <p:cNvPr id="4" name="Content Placeholder 3"/>
-          <p:cNvPicPr>
-            <a:picLocks noGrp="1" noChangeAspect="1"/>
-          </p:cNvPicPr>
-          <p:nvPr>
-            <p:ph idx="1"/>
-          </p:nvPr>
-        </p:nvPicPr>
-        <p:blipFill>
-          <a:blip r:embed="rId2"/>
-          <a:srcRect l="-8770" r="-8770"/>
-          <a:stretch>
-            <a:fillRect/>
-          </a:stretch>
-        </p:blipFill>
-        <p:spPr>
-          <a:xfrm>
-            <a:off x="508000" y="1143000"/>
-            <a:ext cx="15290800" cy="9144000"/>
-          </a:xfrm>
-        </p:spPr>
-      </p:pic>
-    </p:spTree>
-    <p:extLst>
-      <p:ext uri="{BB962C8B-B14F-4D97-AF65-F5344CB8AC3E}">
-        <p14:creationId xmlns:p14="http://schemas.microsoft.com/office/powerpoint/2010/main" val="3610627627"/>
       </p:ext>
     </p:extLst>
   </p:cSld>
@@ -2492,6 +2566,93 @@
           <a:p>
             <a:r>
               <a:rPr lang="en-US" dirty="0" smtClean="0"/>
+              <a:t>US Population Data Analysis </a:t>
+            </a:r>
+            <a:endParaRPr lang="en-US" dirty="0"/>
+          </a:p>
+        </p:txBody>
+      </p:sp>
+      <p:pic>
+        <p:nvPicPr>
+          <p:cNvPr id="4" name="Content Placeholder 3"/>
+          <p:cNvPicPr>
+            <a:picLocks noGrp="1" noChangeAspect="1"/>
+          </p:cNvPicPr>
+          <p:nvPr>
+            <p:ph idx="1"/>
+          </p:nvPr>
+        </p:nvPicPr>
+        <p:blipFill>
+          <a:blip r:embed="rId2"/>
+          <a:srcRect l="-8770" r="-8770"/>
+          <a:stretch>
+            <a:fillRect/>
+          </a:stretch>
+        </p:blipFill>
+        <p:spPr>
+          <a:xfrm>
+            <a:off x="508000" y="1143000"/>
+            <a:ext cx="15290800" cy="9144000"/>
+          </a:xfrm>
+        </p:spPr>
+      </p:pic>
+    </p:spTree>
+    <p:extLst>
+      <p:ext uri="{BB962C8B-B14F-4D97-AF65-F5344CB8AC3E}">
+        <p14:creationId xmlns:p14="http://schemas.microsoft.com/office/powerpoint/2010/main" val="3610627627"/>
+      </p:ext>
+    </p:extLst>
+  </p:cSld>
+  <p:clrMapOvr>
+    <a:masterClrMapping/>
+  </p:clrMapOvr>
+  <p:transition xmlns:p14="http://schemas.microsoft.com/office/powerpoint/2010/main" spd="med">
+    <p:fade/>
+  </p:transition>
+  <p:timing>
+    <p:tnLst>
+      <p:par>
+        <p:cTn xmlns:p14="http://schemas.microsoft.com/office/powerpoint/2010/main" id="1" dur="indefinite" restart="never" nodeType="tmRoot"/>
+      </p:par>
+    </p:tnLst>
+  </p:timing>
+</p:sld>
+</file>
+
+<file path=ppt/slides/slide14.xml><?xml version="1.0" encoding="utf-8"?>
+<p:sld xmlns:a="http://schemas.openxmlformats.org/drawingml/2006/main" xmlns:r="http://schemas.openxmlformats.org/officeDocument/2006/relationships" xmlns:p="http://schemas.openxmlformats.org/presentationml/2006/main">
+  <p:cSld>
+    <p:spTree>
+      <p:nvGrpSpPr>
+        <p:cNvPr id="1" name=""/>
+        <p:cNvGrpSpPr/>
+        <p:nvPr/>
+      </p:nvGrpSpPr>
+      <p:grpSpPr>
+        <a:xfrm>
+          <a:off x="0" y="0"/>
+          <a:ext cx="0" cy="0"/>
+          <a:chOff x="0" y="0"/>
+          <a:chExt cx="0" cy="0"/>
+        </a:xfrm>
+      </p:grpSpPr>
+      <p:sp>
+        <p:nvSpPr>
+          <p:cNvPr id="2" name="Title 1"/>
+          <p:cNvSpPr>
+            <a:spLocks noGrp="1"/>
+          </p:cNvSpPr>
+          <p:nvPr>
+            <p:ph type="title"/>
+          </p:nvPr>
+        </p:nvSpPr>
+        <p:spPr/>
+        <p:txBody>
+          <a:bodyPr/>
+          <a:lstStyle/>
+          <a:p>
+            <a:r>
+              <a:rPr lang="en-US" dirty="0" smtClean="0"/>
               <a:t>Population Data Dictionary</a:t>
             </a:r>
             <a:endParaRPr lang="en-US" dirty="0"/>
@@ -2545,7 +2706,7 @@
 </p:sld>
 </file>
 
-<file path=ppt/slides/slide14.xml><?xml version="1.0" encoding="utf-8"?>
+<file path=ppt/slides/slide15.xml><?xml version="1.0" encoding="utf-8"?>
 <p:sld xmlns:a="http://schemas.openxmlformats.org/drawingml/2006/main" xmlns:r="http://schemas.openxmlformats.org/officeDocument/2006/relationships" xmlns:p="http://schemas.openxmlformats.org/presentationml/2006/main">
   <p:cSld>
     <p:spTree>
@@ -2637,7 +2798,7 @@
 </p:sld>
 </file>
 
-<file path=ppt/slides/slide15.xml><?xml version="1.0" encoding="utf-8"?>
+<file path=ppt/slides/slide16.xml><?xml version="1.0" encoding="utf-8"?>
 <p:sld xmlns:a="http://schemas.openxmlformats.org/drawingml/2006/main" xmlns:r="http://schemas.openxmlformats.org/officeDocument/2006/relationships" xmlns:p="http://schemas.openxmlformats.org/presentationml/2006/main">
   <p:cSld>
     <p:spTree>
@@ -2732,7 +2893,7 @@
 </p:sld>
 </file>
 
-<file path=ppt/slides/slide16.xml><?xml version="1.0" encoding="utf-8"?>
+<file path=ppt/slides/slide17.xml><?xml version="1.0" encoding="utf-8"?>
 <p:sld xmlns:a="http://schemas.openxmlformats.org/drawingml/2006/main" xmlns:r="http://schemas.openxmlformats.org/officeDocument/2006/relationships" xmlns:p="http://schemas.openxmlformats.org/presentationml/2006/main">
   <p:cSld>
     <p:spTree>
@@ -2840,93 +3001,6 @@
     <p:extLst>
       <p:ext uri="{BB962C8B-B14F-4D97-AF65-F5344CB8AC3E}">
         <p14:creationId xmlns:p14="http://schemas.microsoft.com/office/powerpoint/2010/main" val="2065788931"/>
-      </p:ext>
-    </p:extLst>
-  </p:cSld>
-  <p:clrMapOvr>
-    <a:masterClrMapping/>
-  </p:clrMapOvr>
-  <p:transition xmlns:p14="http://schemas.microsoft.com/office/powerpoint/2010/main" spd="med">
-    <p:fade/>
-  </p:transition>
-  <p:timing>
-    <p:tnLst>
-      <p:par>
-        <p:cTn xmlns:p14="http://schemas.microsoft.com/office/powerpoint/2010/main" id="1" dur="indefinite" restart="never" nodeType="tmRoot"/>
-      </p:par>
-    </p:tnLst>
-  </p:timing>
-</p:sld>
-</file>
-
-<file path=ppt/slides/slide17.xml><?xml version="1.0" encoding="utf-8"?>
-<p:sld xmlns:a="http://schemas.openxmlformats.org/drawingml/2006/main" xmlns:r="http://schemas.openxmlformats.org/officeDocument/2006/relationships" xmlns:p="http://schemas.openxmlformats.org/presentationml/2006/main">
-  <p:cSld>
-    <p:spTree>
-      <p:nvGrpSpPr>
-        <p:cNvPr id="1" name=""/>
-        <p:cNvGrpSpPr/>
-        <p:nvPr/>
-      </p:nvGrpSpPr>
-      <p:grpSpPr>
-        <a:xfrm>
-          <a:off x="0" y="0"/>
-          <a:ext cx="0" cy="0"/>
-          <a:chOff x="0" y="0"/>
-          <a:chExt cx="0" cy="0"/>
-        </a:xfrm>
-      </p:grpSpPr>
-      <p:sp>
-        <p:nvSpPr>
-          <p:cNvPr id="2" name="Title 1"/>
-          <p:cNvSpPr>
-            <a:spLocks noGrp="1"/>
-          </p:cNvSpPr>
-          <p:nvPr>
-            <p:ph type="title"/>
-          </p:nvPr>
-        </p:nvSpPr>
-        <p:spPr/>
-        <p:txBody>
-          <a:bodyPr/>
-          <a:lstStyle/>
-          <a:p>
-            <a:r>
-              <a:rPr lang="en-US" dirty="0" smtClean="0"/>
-              <a:t> </a:t>
-            </a:r>
-            <a:endParaRPr lang="en-US" dirty="0"/>
-          </a:p>
-        </p:txBody>
-      </p:sp>
-      <p:pic>
-        <p:nvPicPr>
-          <p:cNvPr id="4" name="Content Placeholder 3"/>
-          <p:cNvPicPr>
-            <a:picLocks noGrp="1" noChangeAspect="1"/>
-          </p:cNvPicPr>
-          <p:nvPr>
-            <p:ph idx="1"/>
-          </p:nvPr>
-        </p:nvPicPr>
-        <p:blipFill>
-          <a:blip r:embed="rId2"/>
-          <a:srcRect l="-6582" r="-6582"/>
-          <a:stretch>
-            <a:fillRect/>
-          </a:stretch>
-        </p:blipFill>
-        <p:spPr>
-          <a:xfrm>
-            <a:off x="508000" y="304800"/>
-            <a:ext cx="15290800" cy="8839200"/>
-          </a:xfrm>
-        </p:spPr>
-      </p:pic>
-    </p:spTree>
-    <p:extLst>
-      <p:ext uri="{BB962C8B-B14F-4D97-AF65-F5344CB8AC3E}">
-        <p14:creationId xmlns:p14="http://schemas.microsoft.com/office/powerpoint/2010/main" val="2943060611"/>
       </p:ext>
     </p:extLst>
   </p:cSld>
@@ -2978,6 +3052,10 @@
           <a:bodyPr/>
           <a:lstStyle/>
           <a:p>
+            <a:r>
+              <a:rPr lang="en-US" dirty="0" smtClean="0"/>
+              <a:t> </a:t>
+            </a:r>
             <a:endParaRPr lang="en-US" dirty="0"/>
           </a:p>
         </p:txBody>
@@ -2994,22 +3072,22 @@
         </p:nvPicPr>
         <p:blipFill>
           <a:blip r:embed="rId2"/>
-          <a:srcRect l="-8081" r="-8081"/>
+          <a:srcRect l="-6582" r="-6582"/>
           <a:stretch>
             <a:fillRect/>
           </a:stretch>
         </p:blipFill>
         <p:spPr>
           <a:xfrm>
-            <a:off x="508000" y="0"/>
-            <a:ext cx="15290800" cy="9448800"/>
+            <a:off x="508000" y="304800"/>
+            <a:ext cx="15290800" cy="8839200"/>
           </a:xfrm>
         </p:spPr>
       </p:pic>
     </p:spTree>
     <p:extLst>
       <p:ext uri="{BB962C8B-B14F-4D97-AF65-F5344CB8AC3E}">
-        <p14:creationId xmlns:p14="http://schemas.microsoft.com/office/powerpoint/2010/main" val="1284843115"/>
+        <p14:creationId xmlns:p14="http://schemas.microsoft.com/office/powerpoint/2010/main" val="2943060611"/>
       </p:ext>
     </p:extLst>
   </p:cSld>
@@ -3061,7 +3139,7 @@
           <a:bodyPr/>
           <a:lstStyle/>
           <a:p>
-            <a:endParaRPr lang="en-US"/>
+            <a:endParaRPr lang="en-US" dirty="0"/>
           </a:p>
         </p:txBody>
       </p:sp>
@@ -3077,7 +3155,7 @@
         </p:nvPicPr>
         <p:blipFill>
           <a:blip r:embed="rId2"/>
-          <a:srcRect l="-10346" r="-10346"/>
+          <a:srcRect l="-8081" r="-8081"/>
           <a:stretch>
             <a:fillRect/>
           </a:stretch>
@@ -3085,14 +3163,14 @@
         <p:spPr>
           <a:xfrm>
             <a:off x="508000" y="0"/>
-            <a:ext cx="14935200" cy="9144000"/>
+            <a:ext cx="15290800" cy="9448800"/>
           </a:xfrm>
         </p:spPr>
       </p:pic>
     </p:spTree>
     <p:extLst>
       <p:ext uri="{BB962C8B-B14F-4D97-AF65-F5344CB8AC3E}">
-        <p14:creationId xmlns:p14="http://schemas.microsoft.com/office/powerpoint/2010/main" val="4240054634"/>
+        <p14:creationId xmlns:p14="http://schemas.microsoft.com/office/powerpoint/2010/main" val="1284843115"/>
       </p:ext>
     </p:extLst>
   </p:cSld>
@@ -3156,7 +3234,6 @@
               <a:rPr lang="en-US" dirty="0" smtClean="0"/>
               <a:t>What is Scalding ?</a:t>
             </a:r>
-            <a:endParaRPr lang="en-US" dirty="0" smtClean="0"/>
           </a:p>
         </p:txBody>
       </p:sp>
@@ -3460,23 +3537,18 @@
             <p:ph type="title"/>
           </p:nvPr>
         </p:nvSpPr>
-        <p:spPr>
-          <a:xfrm>
-            <a:off x="508000" y="-228600"/>
-            <a:ext cx="15290800" cy="9753600"/>
-          </a:xfrm>
-        </p:spPr>
+        <p:spPr/>
         <p:txBody>
           <a:bodyPr/>
           <a:lstStyle/>
           <a:p>
-            <a:endParaRPr lang="en-US" dirty="0"/>
+            <a:endParaRPr lang="en-US"/>
           </a:p>
         </p:txBody>
       </p:sp>
       <p:pic>
         <p:nvPicPr>
-          <p:cNvPr id="6" name="Content Placeholder 5"/>
+          <p:cNvPr id="4" name="Content Placeholder 3"/>
           <p:cNvPicPr>
             <a:picLocks noGrp="1" noChangeAspect="1"/>
           </p:cNvPicPr>
@@ -3486,22 +3558,22 @@
         </p:nvPicPr>
         <p:blipFill>
           <a:blip r:embed="rId2"/>
-          <a:srcRect l="-4078" r="-4078"/>
+          <a:srcRect l="-10346" r="-10346"/>
           <a:stretch>
             <a:fillRect/>
           </a:stretch>
         </p:blipFill>
         <p:spPr>
           <a:xfrm>
-            <a:off x="508000" y="1"/>
-            <a:ext cx="14859000" cy="8915400"/>
+            <a:off x="508000" y="0"/>
+            <a:ext cx="14935200" cy="9144000"/>
           </a:xfrm>
         </p:spPr>
       </p:pic>
     </p:spTree>
     <p:extLst>
       <p:ext uri="{BB962C8B-B14F-4D97-AF65-F5344CB8AC3E}">
-        <p14:creationId xmlns:p14="http://schemas.microsoft.com/office/powerpoint/2010/main" val="44447711"/>
+        <p14:creationId xmlns:p14="http://schemas.microsoft.com/office/powerpoint/2010/main" val="4240054634"/>
       </p:ext>
     </p:extLst>
   </p:cSld>
@@ -3548,18 +3620,23 @@
             <p:ph type="title"/>
           </p:nvPr>
         </p:nvSpPr>
-        <p:spPr/>
+        <p:spPr>
+          <a:xfrm>
+            <a:off x="508000" y="-228600"/>
+            <a:ext cx="15290800" cy="9753600"/>
+          </a:xfrm>
+        </p:spPr>
         <p:txBody>
           <a:bodyPr/>
           <a:lstStyle/>
           <a:p>
-            <a:endParaRPr lang="en-US"/>
+            <a:endParaRPr lang="en-US" dirty="0"/>
           </a:p>
         </p:txBody>
       </p:sp>
       <p:pic>
         <p:nvPicPr>
-          <p:cNvPr id="4" name="Content Placeholder 3"/>
+          <p:cNvPr id="6" name="Content Placeholder 5"/>
           <p:cNvPicPr>
             <a:picLocks noGrp="1" noChangeAspect="1"/>
           </p:cNvPicPr>
@@ -3569,22 +3646,22 @@
         </p:nvPicPr>
         <p:blipFill>
           <a:blip r:embed="rId2"/>
-          <a:srcRect t="-3230" b="-3230"/>
+          <a:srcRect l="-4078" r="-4078"/>
           <a:stretch>
             <a:fillRect/>
           </a:stretch>
         </p:blipFill>
         <p:spPr>
           <a:xfrm>
-            <a:off x="508000" y="0"/>
-            <a:ext cx="15290800" cy="9144000"/>
+            <a:off x="508000" y="1"/>
+            <a:ext cx="14859000" cy="8915400"/>
           </a:xfrm>
         </p:spPr>
       </p:pic>
     </p:spTree>
     <p:extLst>
       <p:ext uri="{BB962C8B-B14F-4D97-AF65-F5344CB8AC3E}">
-        <p14:creationId xmlns:p14="http://schemas.microsoft.com/office/powerpoint/2010/main" val="2405236995"/>
+        <p14:creationId xmlns:p14="http://schemas.microsoft.com/office/powerpoint/2010/main" val="44447711"/>
       </p:ext>
     </p:extLst>
   </p:cSld>
@@ -3652,7 +3729,7 @@
         </p:nvPicPr>
         <p:blipFill>
           <a:blip r:embed="rId2"/>
-          <a:srcRect l="-5058" r="-5058"/>
+          <a:srcRect t="-3230" b="-3230"/>
           <a:stretch>
             <a:fillRect/>
           </a:stretch>
@@ -3667,7 +3744,7 @@
     </p:spTree>
     <p:extLst>
       <p:ext uri="{BB962C8B-B14F-4D97-AF65-F5344CB8AC3E}">
-        <p14:creationId xmlns:p14="http://schemas.microsoft.com/office/powerpoint/2010/main" val="752260948"/>
+        <p14:creationId xmlns:p14="http://schemas.microsoft.com/office/powerpoint/2010/main" val="2405236995"/>
       </p:ext>
     </p:extLst>
   </p:cSld>
@@ -3735,7 +3812,7 @@
         </p:nvPicPr>
         <p:blipFill>
           <a:blip r:embed="rId2"/>
-          <a:srcRect l="-25614" r="-25614"/>
+          <a:srcRect l="-5058" r="-5058"/>
           <a:stretch>
             <a:fillRect/>
           </a:stretch>
@@ -3743,14 +3820,14 @@
         <p:spPr>
           <a:xfrm>
             <a:off x="508000" y="0"/>
-            <a:ext cx="15290800" cy="8763000"/>
+            <a:ext cx="15290800" cy="9144000"/>
           </a:xfrm>
         </p:spPr>
       </p:pic>
     </p:spTree>
     <p:extLst>
       <p:ext uri="{BB962C8B-B14F-4D97-AF65-F5344CB8AC3E}">
-        <p14:creationId xmlns:p14="http://schemas.microsoft.com/office/powerpoint/2010/main" val="133196107"/>
+        <p14:creationId xmlns:p14="http://schemas.microsoft.com/office/powerpoint/2010/main" val="752260948"/>
       </p:ext>
     </p:extLst>
   </p:cSld>
@@ -3802,6 +3879,89 @@
           <a:bodyPr/>
           <a:lstStyle/>
           <a:p>
+            <a:endParaRPr lang="en-US"/>
+          </a:p>
+        </p:txBody>
+      </p:sp>
+      <p:pic>
+        <p:nvPicPr>
+          <p:cNvPr id="4" name="Content Placeholder 3"/>
+          <p:cNvPicPr>
+            <a:picLocks noGrp="1" noChangeAspect="1"/>
+          </p:cNvPicPr>
+          <p:nvPr>
+            <p:ph idx="1"/>
+          </p:nvPr>
+        </p:nvPicPr>
+        <p:blipFill>
+          <a:blip r:embed="rId2"/>
+          <a:srcRect l="-25614" r="-25614"/>
+          <a:stretch>
+            <a:fillRect/>
+          </a:stretch>
+        </p:blipFill>
+        <p:spPr>
+          <a:xfrm>
+            <a:off x="508000" y="0"/>
+            <a:ext cx="15290800" cy="8763000"/>
+          </a:xfrm>
+        </p:spPr>
+      </p:pic>
+    </p:spTree>
+    <p:extLst>
+      <p:ext uri="{BB962C8B-B14F-4D97-AF65-F5344CB8AC3E}">
+        <p14:creationId xmlns:p14="http://schemas.microsoft.com/office/powerpoint/2010/main" val="133196107"/>
+      </p:ext>
+    </p:extLst>
+  </p:cSld>
+  <p:clrMapOvr>
+    <a:masterClrMapping/>
+  </p:clrMapOvr>
+  <p:transition xmlns:p14="http://schemas.microsoft.com/office/powerpoint/2010/main" spd="med">
+    <p:fade/>
+  </p:transition>
+  <p:timing>
+    <p:tnLst>
+      <p:par>
+        <p:cTn xmlns:p14="http://schemas.microsoft.com/office/powerpoint/2010/main" id="1" dur="indefinite" restart="never" nodeType="tmRoot"/>
+      </p:par>
+    </p:tnLst>
+  </p:timing>
+</p:sld>
+</file>
+
+<file path=ppt/slides/slide25.xml><?xml version="1.0" encoding="utf-8"?>
+<p:sld xmlns:a="http://schemas.openxmlformats.org/drawingml/2006/main" xmlns:r="http://schemas.openxmlformats.org/officeDocument/2006/relationships" xmlns:p="http://schemas.openxmlformats.org/presentationml/2006/main">
+  <p:cSld>
+    <p:spTree>
+      <p:nvGrpSpPr>
+        <p:cNvPr id="1" name=""/>
+        <p:cNvGrpSpPr/>
+        <p:nvPr/>
+      </p:nvGrpSpPr>
+      <p:grpSpPr>
+        <a:xfrm>
+          <a:off x="0" y="0"/>
+          <a:ext cx="0" cy="0"/>
+          <a:chOff x="0" y="0"/>
+          <a:chExt cx="0" cy="0"/>
+        </a:xfrm>
+      </p:grpSpPr>
+      <p:sp>
+        <p:nvSpPr>
+          <p:cNvPr id="2" name="Title 1"/>
+          <p:cNvSpPr>
+            <a:spLocks noGrp="1"/>
+          </p:cNvSpPr>
+          <p:nvPr>
+            <p:ph type="title"/>
+          </p:nvPr>
+        </p:nvSpPr>
+        <p:spPr/>
+        <p:txBody>
+          <a:bodyPr/>
+          <a:lstStyle/>
+          <a:p>
             <a:r>
               <a:rPr lang="en-US" dirty="0" err="1" smtClean="0"/>
               <a:t>Algebird</a:t>
@@ -3969,7 +4129,7 @@
 </p:sld>
 </file>
 
-<file path=ppt/slides/slide25.xml><?xml version="1.0" encoding="utf-8"?>
+<file path=ppt/slides/slide26.xml><?xml version="1.0" encoding="utf-8"?>
 <p:sld xmlns:a="http://schemas.openxmlformats.org/drawingml/2006/main" xmlns:r="http://schemas.openxmlformats.org/officeDocument/2006/relationships" xmlns:p="http://schemas.openxmlformats.org/presentationml/2006/main">
   <p:cSld>
     <p:spTree>
@@ -4073,7 +4233,7 @@
 </p:sld>
 </file>
 
-<file path=ppt/slides/slide26.xml><?xml version="1.0" encoding="utf-8"?>
+<file path=ppt/slides/slide27.xml><?xml version="1.0" encoding="utf-8"?>
 <p:sld xmlns:a="http://schemas.openxmlformats.org/drawingml/2006/main" xmlns:r="http://schemas.openxmlformats.org/officeDocument/2006/relationships" xmlns:p="http://schemas.openxmlformats.org/presentationml/2006/main">
   <p:cSld>
     <p:spTree>
@@ -4149,106 +4309,6 @@
     <p:extLst>
       <p:ext uri="{BB962C8B-B14F-4D97-AF65-F5344CB8AC3E}">
         <p14:creationId xmlns:p14="http://schemas.microsoft.com/office/powerpoint/2010/main" val="1921678949"/>
-      </p:ext>
-    </p:extLst>
-  </p:cSld>
-  <p:clrMapOvr>
-    <a:masterClrMapping/>
-  </p:clrMapOvr>
-  <p:transition xmlns:p14="http://schemas.microsoft.com/office/powerpoint/2010/main" spd="med">
-    <p:fade/>
-  </p:transition>
-  <p:timing>
-    <p:tnLst>
-      <p:par>
-        <p:cTn xmlns:p14="http://schemas.microsoft.com/office/powerpoint/2010/main" id="1" dur="indefinite" restart="never" nodeType="tmRoot"/>
-      </p:par>
-    </p:tnLst>
-  </p:timing>
-</p:sld>
-</file>
-
-<file path=ppt/slides/slide27.xml><?xml version="1.0" encoding="utf-8"?>
-<p:sld xmlns:a="http://schemas.openxmlformats.org/drawingml/2006/main" xmlns:r="http://schemas.openxmlformats.org/officeDocument/2006/relationships" xmlns:p="http://schemas.openxmlformats.org/presentationml/2006/main">
-  <p:cSld>
-    <p:spTree>
-      <p:nvGrpSpPr>
-        <p:cNvPr id="1" name=""/>
-        <p:cNvGrpSpPr/>
-        <p:nvPr/>
-      </p:nvGrpSpPr>
-      <p:grpSpPr>
-        <a:xfrm>
-          <a:off x="0" y="0"/>
-          <a:ext cx="0" cy="0"/>
-          <a:chOff x="0" y="0"/>
-          <a:chExt cx="0" cy="0"/>
-        </a:xfrm>
-      </p:grpSpPr>
-      <p:sp>
-        <p:nvSpPr>
-          <p:cNvPr id="2" name="Title 1"/>
-          <p:cNvSpPr>
-            <a:spLocks noGrp="1"/>
-          </p:cNvSpPr>
-          <p:nvPr>
-            <p:ph type="title"/>
-          </p:nvPr>
-        </p:nvSpPr>
-        <p:spPr>
-          <a:xfrm>
-            <a:off x="508000" y="0"/>
-            <a:ext cx="15290800" cy="838200"/>
-          </a:xfrm>
-        </p:spPr>
-        <p:txBody>
-          <a:bodyPr/>
-          <a:lstStyle/>
-          <a:p>
-            <a:r>
-              <a:rPr lang="en-US" dirty="0" smtClean="0"/>
-              <a:t>CMS </a:t>
-            </a:r>
-            <a:r>
-              <a:rPr lang="en-US" dirty="0" err="1" smtClean="0"/>
-              <a:t>Monoid</a:t>
-            </a:r>
-            <a:r>
-              <a:rPr lang="en-US" dirty="0" smtClean="0"/>
-              <a:t> for counting tweets</a:t>
-            </a:r>
-            <a:endParaRPr lang="en-US" dirty="0"/>
-          </a:p>
-        </p:txBody>
-      </p:sp>
-      <p:pic>
-        <p:nvPicPr>
-          <p:cNvPr id="4" name="Content Placeholder 3"/>
-          <p:cNvPicPr>
-            <a:picLocks noGrp="1" noChangeAspect="1"/>
-          </p:cNvPicPr>
-          <p:nvPr>
-            <p:ph idx="1"/>
-          </p:nvPr>
-        </p:nvPicPr>
-        <p:blipFill>
-          <a:blip r:embed="rId2"/>
-          <a:srcRect l="-33407" r="-33407"/>
-          <a:stretch>
-            <a:fillRect/>
-          </a:stretch>
-        </p:blipFill>
-        <p:spPr>
-          <a:xfrm>
-            <a:off x="508000" y="990600"/>
-            <a:ext cx="14351891" cy="8153400"/>
-          </a:xfrm>
-        </p:spPr>
-      </p:pic>
-    </p:spTree>
-    <p:extLst>
-      <p:ext uri="{BB962C8B-B14F-4D97-AF65-F5344CB8AC3E}">
-        <p14:creationId xmlns:p14="http://schemas.microsoft.com/office/powerpoint/2010/main" val="2476424550"/>
       </p:ext>
     </p:extLst>
   </p:cSld>
@@ -4307,6 +4367,106 @@
           <a:p>
             <a:r>
               <a:rPr lang="en-US" dirty="0" smtClean="0"/>
+              <a:t>CMS </a:t>
+            </a:r>
+            <a:r>
+              <a:rPr lang="en-US" dirty="0" err="1" smtClean="0"/>
+              <a:t>Monoid</a:t>
+            </a:r>
+            <a:r>
+              <a:rPr lang="en-US" dirty="0" smtClean="0"/>
+              <a:t> for counting tweets</a:t>
+            </a:r>
+            <a:endParaRPr lang="en-US" dirty="0"/>
+          </a:p>
+        </p:txBody>
+      </p:sp>
+      <p:pic>
+        <p:nvPicPr>
+          <p:cNvPr id="4" name="Content Placeholder 3"/>
+          <p:cNvPicPr>
+            <a:picLocks noGrp="1" noChangeAspect="1"/>
+          </p:cNvPicPr>
+          <p:nvPr>
+            <p:ph idx="1"/>
+          </p:nvPr>
+        </p:nvPicPr>
+        <p:blipFill>
+          <a:blip r:embed="rId2"/>
+          <a:srcRect l="-33407" r="-33407"/>
+          <a:stretch>
+            <a:fillRect/>
+          </a:stretch>
+        </p:blipFill>
+        <p:spPr>
+          <a:xfrm>
+            <a:off x="508000" y="990600"/>
+            <a:ext cx="14351891" cy="8153400"/>
+          </a:xfrm>
+        </p:spPr>
+      </p:pic>
+    </p:spTree>
+    <p:extLst>
+      <p:ext uri="{BB962C8B-B14F-4D97-AF65-F5344CB8AC3E}">
+        <p14:creationId xmlns:p14="http://schemas.microsoft.com/office/powerpoint/2010/main" val="2476424550"/>
+      </p:ext>
+    </p:extLst>
+  </p:cSld>
+  <p:clrMapOvr>
+    <a:masterClrMapping/>
+  </p:clrMapOvr>
+  <p:transition xmlns:p14="http://schemas.microsoft.com/office/powerpoint/2010/main" spd="med">
+    <p:fade/>
+  </p:transition>
+  <p:timing>
+    <p:tnLst>
+      <p:par>
+        <p:cTn xmlns:p14="http://schemas.microsoft.com/office/powerpoint/2010/main" id="1" dur="indefinite" restart="never" nodeType="tmRoot"/>
+      </p:par>
+    </p:tnLst>
+  </p:timing>
+</p:sld>
+</file>
+
+<file path=ppt/slides/slide29.xml><?xml version="1.0" encoding="utf-8"?>
+<p:sld xmlns:a="http://schemas.openxmlformats.org/drawingml/2006/main" xmlns:r="http://schemas.openxmlformats.org/officeDocument/2006/relationships" xmlns:p="http://schemas.openxmlformats.org/presentationml/2006/main">
+  <p:cSld>
+    <p:spTree>
+      <p:nvGrpSpPr>
+        <p:cNvPr id="1" name=""/>
+        <p:cNvGrpSpPr/>
+        <p:nvPr/>
+      </p:nvGrpSpPr>
+      <p:grpSpPr>
+        <a:xfrm>
+          <a:off x="0" y="0"/>
+          <a:ext cx="0" cy="0"/>
+          <a:chOff x="0" y="0"/>
+          <a:chExt cx="0" cy="0"/>
+        </a:xfrm>
+      </p:grpSpPr>
+      <p:sp>
+        <p:nvSpPr>
+          <p:cNvPr id="2" name="Title 1"/>
+          <p:cNvSpPr>
+            <a:spLocks noGrp="1"/>
+          </p:cNvSpPr>
+          <p:nvPr>
+            <p:ph type="title"/>
+          </p:nvPr>
+        </p:nvSpPr>
+        <p:spPr>
+          <a:xfrm>
+            <a:off x="508000" y="0"/>
+            <a:ext cx="15290800" cy="838200"/>
+          </a:xfrm>
+        </p:spPr>
+        <p:txBody>
+          <a:bodyPr/>
+          <a:lstStyle/>
+          <a:p>
+            <a:r>
+              <a:rPr lang="en-US" dirty="0" smtClean="0"/>
               <a:t>More goodies…</a:t>
             </a:r>
             <a:br>
@@ -4441,10 +4601,6 @@
             <a:r>
               <a:rPr lang="en-US" sz="6000" dirty="0" smtClean="0"/>
               <a:t> )</a:t>
-            </a:r>
-            <a:r>
-              <a:rPr lang="en-US" sz="6000" dirty="0" smtClean="0"/>
-              <a:t/>
             </a:r>
             <a:br>
               <a:rPr lang="en-US" sz="6000" dirty="0" smtClean="0"/>
@@ -4526,7 +4682,6 @@
               <a:rPr lang="en-US" dirty="0" smtClean="0"/>
               <a:t> : Gentle Intro to Scalding</a:t>
             </a:r>
-            <a:endParaRPr lang="en-US" dirty="0" smtClean="0"/>
           </a:p>
         </p:txBody>
       </p:sp>
@@ -6075,7 +6230,7 @@
       </p:sp>
       <p:pic>
         <p:nvPicPr>
-          <p:cNvPr id="5" name="Content Placeholder 4"/>
+          <p:cNvPr id="7" name="Content Placeholder 6"/>
           <p:cNvPicPr>
             <a:picLocks noGrp="1" noChangeAspect="1"/>
           </p:cNvPicPr>
@@ -6085,15 +6240,15 @@
         </p:nvPicPr>
         <p:blipFill>
           <a:blip r:embed="rId2"/>
-          <a:srcRect l="-16731" r="-16731"/>
+          <a:srcRect t="-15824" b="-15824"/>
           <a:stretch>
             <a:fillRect/>
           </a:stretch>
         </p:blipFill>
         <p:spPr>
           <a:xfrm>
-            <a:off x="508000" y="-304800"/>
-            <a:ext cx="15290800" cy="9067800"/>
+            <a:off x="584200" y="-304800"/>
+            <a:ext cx="14782800" cy="6089924"/>
           </a:xfrm>
         </p:spPr>
       </p:pic>
@@ -6121,6 +6276,89 @@
 </file>
 
 <file path=ppt/slides/slide8.xml><?xml version="1.0" encoding="utf-8"?>
+<p:sld xmlns:a="http://schemas.openxmlformats.org/drawingml/2006/main" xmlns:r="http://schemas.openxmlformats.org/officeDocument/2006/relationships" xmlns:p="http://schemas.openxmlformats.org/presentationml/2006/main">
+  <p:cSld>
+    <p:spTree>
+      <p:nvGrpSpPr>
+        <p:cNvPr id="1" name=""/>
+        <p:cNvGrpSpPr/>
+        <p:nvPr/>
+      </p:nvGrpSpPr>
+      <p:grpSpPr>
+        <a:xfrm>
+          <a:off x="0" y="0"/>
+          <a:ext cx="0" cy="0"/>
+          <a:chOff x="0" y="0"/>
+          <a:chExt cx="0" cy="0"/>
+        </a:xfrm>
+      </p:grpSpPr>
+      <p:sp>
+        <p:nvSpPr>
+          <p:cNvPr id="2" name="Title 1"/>
+          <p:cNvSpPr>
+            <a:spLocks noGrp="1"/>
+          </p:cNvSpPr>
+          <p:nvPr>
+            <p:ph type="title"/>
+          </p:nvPr>
+        </p:nvSpPr>
+        <p:spPr/>
+        <p:txBody>
+          <a:bodyPr/>
+          <a:lstStyle/>
+          <a:p>
+            <a:endParaRPr lang="en-US" dirty="0"/>
+          </a:p>
+        </p:txBody>
+      </p:sp>
+      <p:pic>
+        <p:nvPicPr>
+          <p:cNvPr id="4" name="Content Placeholder 3"/>
+          <p:cNvPicPr>
+            <a:picLocks noGrp="1" noChangeAspect="1"/>
+          </p:cNvPicPr>
+          <p:nvPr>
+            <p:ph idx="1"/>
+          </p:nvPr>
+        </p:nvPicPr>
+        <p:blipFill>
+          <a:blip r:embed="rId2"/>
+          <a:srcRect l="-25519" r="-25519"/>
+          <a:stretch>
+            <a:fillRect/>
+          </a:stretch>
+        </p:blipFill>
+        <p:spPr>
+          <a:xfrm>
+            <a:off x="-2082799" y="0"/>
+            <a:ext cx="18592800" cy="9605250"/>
+          </a:xfrm>
+        </p:spPr>
+      </p:pic>
+    </p:spTree>
+    <p:extLst>
+      <p:ext uri="{BB962C8B-B14F-4D97-AF65-F5344CB8AC3E}">
+        <p14:creationId xmlns:p14="http://schemas.microsoft.com/office/powerpoint/2010/main" val="3899025038"/>
+      </p:ext>
+    </p:extLst>
+  </p:cSld>
+  <p:clrMapOvr>
+    <a:masterClrMapping/>
+  </p:clrMapOvr>
+  <p:transition xmlns:p14="http://schemas.microsoft.com/office/powerpoint/2010/main" spd="med">
+    <p:fade/>
+  </p:transition>
+  <p:timing>
+    <p:tnLst>
+      <p:par>
+        <p:cTn xmlns:p14="http://schemas.microsoft.com/office/powerpoint/2010/main" id="1" dur="indefinite" restart="never" nodeType="tmRoot"/>
+      </p:par>
+    </p:tnLst>
+  </p:timing>
+</p:sld>
+</file>
+
+<file path=ppt/slides/slide9.xml><?xml version="1.0" encoding="utf-8"?>
 <p:sld xmlns:a="http://schemas.openxmlformats.org/drawingml/2006/main" xmlns:r="http://schemas.openxmlformats.org/officeDocument/2006/relationships" xmlns:p="http://schemas.openxmlformats.org/presentationml/2006/main">
   <p:cSld>
     <p:spTree>
@@ -6293,134 +6531,6 @@
     <p:extLst>
       <p:ext uri="{BB962C8B-B14F-4D97-AF65-F5344CB8AC3E}">
         <p14:creationId xmlns:p14="http://schemas.microsoft.com/office/powerpoint/2010/main" val="974357219"/>
-      </p:ext>
-    </p:extLst>
-  </p:cSld>
-  <p:clrMapOvr>
-    <a:masterClrMapping/>
-  </p:clrMapOvr>
-  <p:transition xmlns:p14="http://schemas.microsoft.com/office/powerpoint/2010/main" spd="med">
-    <p:fade/>
-  </p:transition>
-  <p:timing>
-    <p:tnLst>
-      <p:par>
-        <p:cTn xmlns:p14="http://schemas.microsoft.com/office/powerpoint/2010/main" id="1" dur="indefinite" restart="never" nodeType="tmRoot"/>
-      </p:par>
-    </p:tnLst>
-  </p:timing>
-</p:sld>
-</file>
-
-<file path=ppt/slides/slide9.xml><?xml version="1.0" encoding="utf-8"?>
-<p:sld xmlns:a="http://schemas.openxmlformats.org/drawingml/2006/main" xmlns:r="http://schemas.openxmlformats.org/officeDocument/2006/relationships" xmlns:p="http://schemas.openxmlformats.org/presentationml/2006/main">
-  <p:cSld>
-    <p:spTree>
-      <p:nvGrpSpPr>
-        <p:cNvPr id="1" name=""/>
-        <p:cNvGrpSpPr/>
-        <p:nvPr/>
-      </p:nvGrpSpPr>
-      <p:grpSpPr>
-        <a:xfrm>
-          <a:off x="0" y="0"/>
-          <a:ext cx="0" cy="0"/>
-          <a:chOff x="0" y="0"/>
-          <a:chExt cx="0" cy="0"/>
-        </a:xfrm>
-      </p:grpSpPr>
-      <p:sp>
-        <p:nvSpPr>
-          <p:cNvPr id="2" name="Title 1"/>
-          <p:cNvSpPr>
-            <a:spLocks noGrp="1"/>
-          </p:cNvSpPr>
-          <p:nvPr>
-            <p:ph type="title"/>
-          </p:nvPr>
-        </p:nvSpPr>
-        <p:spPr>
-          <a:xfrm>
-            <a:off x="508000" y="0"/>
-            <a:ext cx="15290800" cy="838200"/>
-          </a:xfrm>
-        </p:spPr>
-        <p:txBody>
-          <a:bodyPr/>
-          <a:lstStyle/>
-          <a:p>
-            <a:r>
-              <a:rPr lang="en-US" dirty="0" smtClean="0"/>
-              <a:t>Correlations among equities…</a:t>
-            </a:r>
-            <a:endParaRPr lang="en-US" dirty="0"/>
-          </a:p>
-        </p:txBody>
-      </p:sp>
-      <p:pic>
-        <p:nvPicPr>
-          <p:cNvPr id="4" name="Content Placeholder 3"/>
-          <p:cNvPicPr>
-            <a:picLocks noGrp="1" noChangeAspect="1"/>
-          </p:cNvPicPr>
-          <p:nvPr>
-            <p:ph idx="1"/>
-          </p:nvPr>
-        </p:nvPicPr>
-        <p:blipFill>
-          <a:blip r:embed="rId2"/>
-          <a:srcRect t="2048" b="2048"/>
-          <a:stretch>
-            <a:fillRect/>
-          </a:stretch>
-        </p:blipFill>
-        <p:spPr>
-          <a:xfrm>
-            <a:off x="508001" y="1447800"/>
-            <a:ext cx="9753600" cy="5492476"/>
-          </a:xfrm>
-        </p:spPr>
-      </p:pic>
-      <p:sp>
-        <p:nvSpPr>
-          <p:cNvPr id="5" name="TextBox 4"/>
-          <p:cNvSpPr txBox="1"/>
-          <p:nvPr/>
-        </p:nvSpPr>
-        <p:spPr>
-          <a:xfrm>
-            <a:off x="431801" y="7162801"/>
-            <a:ext cx="15468600" cy="1200329"/>
-          </a:xfrm>
-          <a:prstGeom prst="rect">
-            <a:avLst/>
-          </a:prstGeom>
-          <a:noFill/>
-        </p:spPr>
-        <p:txBody>
-          <a:bodyPr wrap="square" rtlCol="0">
-            <a:spAutoFit/>
-          </a:bodyPr>
-          <a:lstStyle/>
-          <a:p>
-            <a:r>
-              <a:rPr lang="en-US" sz="3600" dirty="0" smtClean="0"/>
-              <a:t>Given a vector of weights W, the net risk imposed by this matrix = W'CW</a:t>
-            </a:r>
-          </a:p>
-          <a:p>
-            <a:r>
-              <a:rPr lang="en-US" sz="3600" dirty="0" smtClean="0"/>
-              <a:t>Goal: Want the 4-tuple with the least risk.</a:t>
-            </a:r>
-            <a:endParaRPr lang="en-US" sz="3600" dirty="0"/>
-          </a:p>
-        </p:txBody>
-      </p:sp>
-    </p:spTree>
-    <p:extLst>
-      <p:ext uri="{BB962C8B-B14F-4D97-AF65-F5344CB8AC3E}">
-        <p14:creationId xmlns:p14="http://schemas.microsoft.com/office/powerpoint/2010/main" val="4207747286"/>
       </p:ext>
     </p:extLst>
   </p:cSld>
